--- a/admin/presentation/Presentation for Flat Finder Application.pptx
+++ b/admin/presentation/Presentation for Flat Finder Application.pptx
@@ -16,6 +16,7 @@
     <p:sldId id="264" r:id="rId10"/>
     <p:sldId id="265" r:id="rId11"/>
     <p:sldId id="266" r:id="rId12"/>
+    <p:sldId id="267" r:id="rId13"/>
   </p:sldIdLst>
   <p:sldSz cx="9144000" cy="6858000" type="screen4x3"/>
   <p:notesSz cx="6858000" cy="9144000"/>
@@ -3378,7 +3379,7 @@
             <a:pPr algn="ctr"/>
             <a:r>
               <a:rPr lang="en-GB" dirty="0" smtClean="0"/>
-              <a:t>Design </a:t>
+              <a:t>Design</a:t>
             </a:r>
             <a:endParaRPr lang="en-GB" dirty="0"/>
           </a:p>
@@ -3422,6 +3423,160 @@
     <p:extLst>
       <p:ext uri="{BB962C8B-B14F-4D97-AF65-F5344CB8AC3E}">
         <p14:creationId xmlns:p14="http://schemas.microsoft.com/office/powerpoint/2010/main" val="2837662240"/>
+      </p:ext>
+    </p:extLst>
+  </p:cSld>
+  <p:clrMapOvr>
+    <a:masterClrMapping/>
+  </p:clrMapOvr>
+</p:sld>
+</file>
+
+<file path=ppt/slides/slide12.xml><?xml version="1.0" encoding="utf-8"?>
+<p:sld xmlns:a="http://schemas.openxmlformats.org/drawingml/2006/main" xmlns:r="http://schemas.openxmlformats.org/officeDocument/2006/relationships" xmlns:p="http://schemas.openxmlformats.org/presentationml/2006/main">
+  <p:cSld>
+    <p:spTree>
+      <p:nvGrpSpPr>
+        <p:cNvPr id="1" name=""/>
+        <p:cNvGrpSpPr/>
+        <p:nvPr/>
+      </p:nvGrpSpPr>
+      <p:grpSpPr>
+        <a:xfrm>
+          <a:off x="0" y="0"/>
+          <a:ext cx="0" cy="0"/>
+          <a:chOff x="0" y="0"/>
+          <a:chExt cx="0" cy="0"/>
+        </a:xfrm>
+      </p:grpSpPr>
+      <p:sp>
+        <p:nvSpPr>
+          <p:cNvPr id="2" name="Title 1"/>
+          <p:cNvSpPr>
+            <a:spLocks noGrp="1"/>
+          </p:cNvSpPr>
+          <p:nvPr>
+            <p:ph type="title"/>
+          </p:nvPr>
+        </p:nvSpPr>
+        <p:spPr/>
+        <p:txBody>
+          <a:bodyPr/>
+          <a:lstStyle/>
+          <a:p>
+            <a:pPr algn="ctr"/>
+            <a:r>
+              <a:rPr lang="en-GB" dirty="0" smtClean="0"/>
+              <a:t>Technologies Chosen </a:t>
+            </a:r>
+            <a:endParaRPr lang="en-GB" dirty="0"/>
+          </a:p>
+        </p:txBody>
+      </p:sp>
+      <p:sp>
+        <p:nvSpPr>
+          <p:cNvPr id="3" name="Content Placeholder 2"/>
+          <p:cNvSpPr>
+            <a:spLocks noGrp="1"/>
+          </p:cNvSpPr>
+          <p:nvPr>
+            <p:ph idx="1"/>
+          </p:nvPr>
+        </p:nvSpPr>
+        <p:spPr/>
+        <p:txBody>
+          <a:bodyPr>
+            <a:normAutofit lnSpcReduction="10000"/>
+          </a:bodyPr>
+          <a:lstStyle/>
+          <a:p>
+            <a:r>
+              <a:rPr lang="en-GB" dirty="0" smtClean="0"/>
+              <a:t>Java  - Spring MVC</a:t>
+            </a:r>
+          </a:p>
+          <a:p>
+            <a:r>
+              <a:rPr lang="en-GB" dirty="0" smtClean="0"/>
+              <a:t>Tomcat</a:t>
+            </a:r>
+          </a:p>
+          <a:p>
+            <a:r>
+              <a:rPr lang="en-GB" dirty="0" smtClean="0"/>
+              <a:t>MySQL</a:t>
+            </a:r>
+          </a:p>
+          <a:p>
+            <a:r>
+              <a:rPr lang="en-GB" dirty="0" smtClean="0"/>
+              <a:t>JavaScript</a:t>
+            </a:r>
+          </a:p>
+          <a:p>
+            <a:r>
+              <a:rPr lang="en-GB" dirty="0" smtClean="0"/>
+              <a:t>JSP</a:t>
+            </a:r>
+          </a:p>
+          <a:p>
+            <a:r>
+              <a:rPr lang="en-GB" dirty="0" err="1" smtClean="0"/>
+              <a:t>BootStrap</a:t>
+            </a:r>
+            <a:endParaRPr lang="en-GB" dirty="0" smtClean="0"/>
+          </a:p>
+          <a:p>
+            <a:r>
+              <a:rPr lang="en-GB" dirty="0" smtClean="0"/>
+              <a:t>Cucumber</a:t>
+            </a:r>
+          </a:p>
+          <a:p>
+            <a:r>
+              <a:rPr lang="en-GB" dirty="0" err="1" smtClean="0"/>
+              <a:t>Gradle</a:t>
+            </a:r>
+            <a:endParaRPr lang="en-GB" dirty="0" smtClean="0"/>
+          </a:p>
+          <a:p>
+            <a:r>
+              <a:rPr lang="en-GB" dirty="0" err="1" smtClean="0"/>
+              <a:t>Checkstyle</a:t>
+            </a:r>
+            <a:endParaRPr lang="en-GB" dirty="0" smtClean="0"/>
+          </a:p>
+          <a:p>
+            <a:r>
+              <a:rPr lang="en-GB" dirty="0" smtClean="0"/>
+              <a:t>Travis CI</a:t>
+            </a:r>
+          </a:p>
+          <a:p>
+            <a:r>
+              <a:rPr lang="en-GB" dirty="0" smtClean="0"/>
+              <a:t>Git</a:t>
+            </a:r>
+          </a:p>
+          <a:p>
+            <a:r>
+              <a:rPr lang="en-GB" dirty="0" err="1" smtClean="0"/>
+              <a:t>Github</a:t>
+            </a:r>
+            <a:endParaRPr lang="en-GB" dirty="0" smtClean="0"/>
+          </a:p>
+          <a:p>
+            <a:endParaRPr lang="en-GB" dirty="0" smtClean="0"/>
+          </a:p>
+          <a:p>
+            <a:endParaRPr lang="en-GB" dirty="0"/>
+          </a:p>
+        </p:txBody>
+      </p:sp>
+    </p:spTree>
+    <p:extLst>
+      <p:ext uri="{BB962C8B-B14F-4D97-AF65-F5344CB8AC3E}">
+        <p14:creationId xmlns:p14="http://schemas.microsoft.com/office/powerpoint/2010/main" val="2789829490"/>
       </p:ext>
     </p:extLst>
   </p:cSld>
@@ -4125,15 +4280,7 @@
             </a:pPr>
             <a:r>
               <a:rPr lang="en-GB" dirty="0" smtClean="0"/>
-              <a:t>You can edit your name, email and buddy up preference (Searchers</a:t>
-            </a:r>
-            <a:r>
-              <a:rPr lang="en-GB" dirty="0" smtClean="0"/>
-              <a:t> only</a:t>
-            </a:r>
-            <a:r>
-              <a:rPr lang="en-GB" dirty="0" smtClean="0"/>
-              <a:t>).</a:t>
+              <a:t>You can edit your name, email and buddy up preference (Searchers only).</a:t>
             </a:r>
             <a:endParaRPr lang="en-GB" dirty="0"/>
           </a:p>

--- a/admin/presentation/Presentation for Flat Finder Application.pptx
+++ b/admin/presentation/Presentation for Flat Finder Application.pptx
@@ -5,19 +5,20 @@
     <p:sldMasterId id="2147483780" r:id="rId1"/>
   </p:sldMasterIdLst>
   <p:notesMasterIdLst>
-    <p:notesMasterId r:id="rId12"/>
+    <p:notesMasterId r:id="rId13"/>
   </p:notesMasterIdLst>
   <p:sldIdLst>
     <p:sldId id="256" r:id="rId2"/>
     <p:sldId id="257" r:id="rId3"/>
     <p:sldId id="260" r:id="rId4"/>
-    <p:sldId id="264" r:id="rId5"/>
-    <p:sldId id="265" r:id="rId6"/>
+    <p:sldId id="265" r:id="rId5"/>
+    <p:sldId id="264" r:id="rId6"/>
     <p:sldId id="261" r:id="rId7"/>
     <p:sldId id="262" r:id="rId8"/>
     <p:sldId id="263" r:id="rId9"/>
     <p:sldId id="266" r:id="rId10"/>
     <p:sldId id="267" r:id="rId11"/>
+    <p:sldId id="268" r:id="rId12"/>
   </p:sldIdLst>
   <p:sldSz cx="9144000" cy="6858000" type="screen4x3"/>
   <p:notesSz cx="6858000" cy="9144000"/>
@@ -3815,6 +3816,150 @@
   <p:clrMapOvr>
     <a:masterClrMapping/>
   </p:clrMapOvr>
+  <p:timing>
+    <p:tnLst>
+      <p:par>
+        <p:cTn id="1" dur="indefinite" restart="never" nodeType="tmRoot"/>
+      </p:par>
+    </p:tnLst>
+  </p:timing>
+</p:sld>
+</file>
+
+<file path=ppt/slides/slide11.xml><?xml version="1.0" encoding="utf-8"?>
+<p:sld xmlns:a="http://schemas.openxmlformats.org/drawingml/2006/main" xmlns:r="http://schemas.openxmlformats.org/officeDocument/2006/relationships" xmlns:p="http://schemas.openxmlformats.org/presentationml/2006/main">
+  <p:cSld>
+    <p:spTree>
+      <p:nvGrpSpPr>
+        <p:cNvPr id="1" name=""/>
+        <p:cNvGrpSpPr/>
+        <p:nvPr/>
+      </p:nvGrpSpPr>
+      <p:grpSpPr>
+        <a:xfrm>
+          <a:off x="0" y="0"/>
+          <a:ext cx="0" cy="0"/>
+          <a:chOff x="0" y="0"/>
+          <a:chExt cx="0" cy="0"/>
+        </a:xfrm>
+      </p:grpSpPr>
+      <p:sp>
+        <p:nvSpPr>
+          <p:cNvPr id="2" name="Title 1"/>
+          <p:cNvSpPr>
+            <a:spLocks noGrp="1"/>
+          </p:cNvSpPr>
+          <p:nvPr>
+            <p:ph type="title"/>
+          </p:nvPr>
+        </p:nvSpPr>
+        <p:spPr/>
+        <p:txBody>
+          <a:bodyPr/>
+          <a:lstStyle/>
+          <a:p>
+            <a:pPr algn="ctr"/>
+            <a:r>
+              <a:rPr lang="en-GB" dirty="0" smtClean="0"/>
+              <a:t>Thanks for listening</a:t>
+            </a:r>
+            <a:endParaRPr lang="en-GB" dirty="0"/>
+          </a:p>
+        </p:txBody>
+      </p:sp>
+      <p:sp>
+        <p:nvSpPr>
+          <p:cNvPr id="3" name="Content Placeholder 2"/>
+          <p:cNvSpPr>
+            <a:spLocks noGrp="1"/>
+          </p:cNvSpPr>
+          <p:nvPr>
+            <p:ph idx="1"/>
+          </p:nvPr>
+        </p:nvSpPr>
+        <p:spPr/>
+        <p:txBody>
+          <a:bodyPr/>
+          <a:lstStyle/>
+          <a:p>
+            <a:pPr marL="114300" indent="0" algn="ctr">
+              <a:buNone/>
+            </a:pPr>
+            <a:endParaRPr lang="en-GB" dirty="0" smtClean="0"/>
+          </a:p>
+          <a:p>
+            <a:pPr marL="114300" indent="0" algn="ctr">
+              <a:buNone/>
+            </a:pPr>
+            <a:endParaRPr lang="en-GB" dirty="0"/>
+          </a:p>
+          <a:p>
+            <a:pPr marL="114300" indent="0" algn="ctr">
+              <a:buNone/>
+            </a:pPr>
+            <a:endParaRPr lang="en-GB" dirty="0" smtClean="0"/>
+          </a:p>
+          <a:p>
+            <a:pPr marL="114300" indent="0" algn="ctr">
+              <a:buNone/>
+            </a:pPr>
+            <a:endParaRPr lang="en-GB" dirty="0"/>
+          </a:p>
+          <a:p>
+            <a:pPr marL="114300" indent="0" algn="ctr">
+              <a:buNone/>
+            </a:pPr>
+            <a:endParaRPr lang="en-GB" smtClean="0"/>
+          </a:p>
+          <a:p>
+            <a:pPr marL="114300" indent="0" algn="ctr">
+              <a:buNone/>
+            </a:pPr>
+            <a:r>
+              <a:rPr lang="en-GB" smtClean="0"/>
+              <a:t>Any </a:t>
+            </a:r>
+            <a:r>
+              <a:rPr lang="en-GB" dirty="0" smtClean="0"/>
+              <a:t>questions?...</a:t>
+            </a:r>
+            <a:endParaRPr lang="en-GB" dirty="0"/>
+          </a:p>
+        </p:txBody>
+      </p:sp>
+      <p:sp>
+        <p:nvSpPr>
+          <p:cNvPr id="4" name="Slide Number Placeholder 3"/>
+          <p:cNvSpPr>
+            <a:spLocks noGrp="1"/>
+          </p:cNvSpPr>
+          <p:nvPr>
+            <p:ph type="sldNum" sz="quarter" idx="12"/>
+          </p:nvPr>
+        </p:nvSpPr>
+        <p:spPr/>
+        <p:txBody>
+          <a:bodyPr/>
+          <a:lstStyle/>
+          <a:p>
+            <a:fld id="{FB50D302-6B96-42D9-8F50-77819985A4E6}" type="slidenum">
+              <a:rPr lang="en-GB" smtClean="0"/>
+              <a:t>11</a:t>
+            </a:fld>
+            <a:endParaRPr lang="en-GB"/>
+          </a:p>
+        </p:txBody>
+      </p:sp>
+    </p:spTree>
+    <p:extLst>
+      <p:ext uri="{BB962C8B-B14F-4D97-AF65-F5344CB8AC3E}">
+        <p14:creationId xmlns:p14="http://schemas.microsoft.com/office/powerpoint/2010/main" val="1770586404"/>
+      </p:ext>
+    </p:extLst>
+  </p:cSld>
+  <p:clrMapOvr>
+    <a:masterClrMapping/>
+  </p:clrMapOvr>
 </p:sld>
 </file>
 
@@ -4107,6 +4252,13 @@
   <p:clrMapOvr>
     <a:masterClrMapping/>
   </p:clrMapOvr>
+  <p:timing>
+    <p:tnLst>
+      <p:par>
+        <p:cTn id="1" dur="indefinite" restart="never" nodeType="tmRoot"/>
+      </p:par>
+    </p:tnLst>
+  </p:timing>
 </p:sld>
 </file>
 
@@ -4145,7 +4297,7 @@
             <a:pPr algn="ctr"/>
             <a:r>
               <a:rPr lang="en-GB" dirty="0" smtClean="0"/>
-              <a:t>Properties - Searcher</a:t>
+              <a:t>Properties - Landlord</a:t>
             </a:r>
             <a:endParaRPr lang="en-GB" dirty="0"/>
           </a:p>
@@ -4161,11 +4313,14 @@
             <p:ph idx="1"/>
           </p:nvPr>
         </p:nvSpPr>
-        <p:spPr/>
-        <p:txBody>
-          <a:bodyPr>
-            <a:normAutofit/>
-          </a:bodyPr>
+        <p:spPr>
+          <a:xfrm>
+            <a:off x="179512" y="2060848"/>
+            <a:ext cx="8229600" cy="4525963"/>
+          </a:xfrm>
+        </p:spPr>
+        <p:txBody>
+          <a:bodyPr/>
           <a:lstStyle/>
           <a:p>
             <a:pPr marL="0" indent="0" algn="ctr">
@@ -4173,7 +4328,7 @@
             </a:pPr>
             <a:r>
               <a:rPr lang="en-GB" dirty="0" smtClean="0"/>
-              <a:t>As a searcher you can search for properties by these filters: Property Keyword, property type(Flat, house), number of rooms, minimum price per month, maximum price per month, is rentable from, is rentable until. Then you see all the filtered properties on a map and list view. Then you can view each respective property individually and contact the landlord if they are interested.</a:t>
+              <a:t>A landlord can post a property and give each property these attributes: number, street, city, postcode, type, number of rooms, price per month, is rentable from, is rentable until and up to 8 images of the property.</a:t>
             </a:r>
             <a:endParaRPr lang="en-GB" dirty="0"/>
           </a:p>
@@ -4205,13 +4360,20 @@
     </p:spTree>
     <p:extLst>
       <p:ext uri="{BB962C8B-B14F-4D97-AF65-F5344CB8AC3E}">
-        <p14:creationId xmlns:p14="http://schemas.microsoft.com/office/powerpoint/2010/main" val="2163091100"/>
+        <p14:creationId xmlns:p14="http://schemas.microsoft.com/office/powerpoint/2010/main" val="3992174803"/>
       </p:ext>
     </p:extLst>
   </p:cSld>
   <p:clrMapOvr>
     <a:masterClrMapping/>
   </p:clrMapOvr>
+  <p:timing>
+    <p:tnLst>
+      <p:par>
+        <p:cTn id="1" dur="indefinite" restart="never" nodeType="tmRoot"/>
+      </p:par>
+    </p:tnLst>
+  </p:timing>
 </p:sld>
 </file>
 
@@ -4250,7 +4412,7 @@
             <a:pPr algn="ctr"/>
             <a:r>
               <a:rPr lang="en-GB" dirty="0" smtClean="0"/>
-              <a:t>Properties - Landlord</a:t>
+              <a:t>Properties - Searcher</a:t>
             </a:r>
             <a:endParaRPr lang="en-GB" dirty="0"/>
           </a:p>
@@ -4266,14 +4428,11 @@
             <p:ph idx="1"/>
           </p:nvPr>
         </p:nvSpPr>
-        <p:spPr>
-          <a:xfrm>
-            <a:off x="179512" y="2060848"/>
-            <a:ext cx="8229600" cy="4525963"/>
-          </a:xfrm>
-        </p:spPr>
-        <p:txBody>
-          <a:bodyPr/>
+        <p:spPr/>
+        <p:txBody>
+          <a:bodyPr>
+            <a:normAutofit/>
+          </a:bodyPr>
           <a:lstStyle/>
           <a:p>
             <a:pPr marL="0" indent="0" algn="ctr">
@@ -4281,7 +4440,7 @@
             </a:pPr>
             <a:r>
               <a:rPr lang="en-GB" dirty="0" smtClean="0"/>
-              <a:t>A landlord can post a property and give each property these attributes: number, street, city, postcode, type, number of rooms, price per month, is rentable from, is rentable until and up to 8 images of the property.</a:t>
+              <a:t>As a searcher you can search for properties by these filters: Property Keyword, property type(Flat, house), number of rooms, minimum price per month, maximum price per month, is rentable from, is rentable until. Then you see all the filtered properties on a map and list view. Then you can view each respective property individually and contact the landlord if they are interested.</a:t>
             </a:r>
             <a:endParaRPr lang="en-GB" dirty="0"/>
           </a:p>
@@ -4313,13 +4472,20 @@
     </p:spTree>
     <p:extLst>
       <p:ext uri="{BB962C8B-B14F-4D97-AF65-F5344CB8AC3E}">
-        <p14:creationId xmlns:p14="http://schemas.microsoft.com/office/powerpoint/2010/main" val="3992174803"/>
+        <p14:creationId xmlns:p14="http://schemas.microsoft.com/office/powerpoint/2010/main" val="2163091100"/>
       </p:ext>
     </p:extLst>
   </p:cSld>
   <p:clrMapOvr>
     <a:masterClrMapping/>
   </p:clrMapOvr>
+  <p:timing>
+    <p:tnLst>
+      <p:par>
+        <p:cTn id="1" dur="indefinite" restart="never" nodeType="tmRoot"/>
+      </p:par>
+    </p:tnLst>
+  </p:timing>
 </p:sld>
 </file>
 
@@ -4433,6 +4599,13 @@
   <p:clrMapOvr>
     <a:masterClrMapping/>
   </p:clrMapOvr>
+  <p:timing>
+    <p:tnLst>
+      <p:par>
+        <p:cTn id="1" dur="indefinite" restart="never" nodeType="tmRoot"/>
+      </p:par>
+    </p:tnLst>
+  </p:timing>
 </p:sld>
 </file>
 
@@ -4541,6 +4714,13 @@
   <p:clrMapOvr>
     <a:masterClrMapping/>
   </p:clrMapOvr>
+  <p:timing>
+    <p:tnLst>
+      <p:par>
+        <p:cTn id="1" dur="indefinite" restart="never" nodeType="tmRoot"/>
+      </p:par>
+    </p:tnLst>
+  </p:timing>
 </p:sld>
 </file>
 
@@ -4649,6 +4829,13 @@
   <p:clrMapOvr>
     <a:masterClrMapping/>
   </p:clrMapOvr>
+  <p:timing>
+    <p:tnLst>
+      <p:par>
+        <p:cTn id="1" dur="indefinite" restart="never" nodeType="tmRoot"/>
+      </p:par>
+    </p:tnLst>
+  </p:timing>
 </p:sld>
 </file>
 
@@ -4760,6 +4947,13 @@
   <p:clrMapOvr>
     <a:masterClrMapping/>
   </p:clrMapOvr>
+  <p:timing>
+    <p:tnLst>
+      <p:par>
+        <p:cTn id="1" dur="indefinite" restart="never" nodeType="tmRoot"/>
+      </p:par>
+    </p:tnLst>
+  </p:timing>
 </p:sld>
 </file>
 
